--- a/textbooks/現場で使うIT日本語/3.進捗報告/講義資料/授業内演習問題/Unit3 Practice.pptx
+++ b/textbooks/現場で使うIT日本語/3.進捗報告/講義資料/授業内演習問題/Unit3 Practice.pptx
@@ -128,7 +128,7 @@
           <a:p>
             <a:fld id="{C1C77E37-5811-4901-AEB6-811036F8831F}" type="datetimeFigureOut">
               <a:rPr kumimoji="1" lang="ja-JP" altLang="en-US" smtClean="0"/>
-              <a:t>2025/1/31</a:t>
+              <a:t>2025/6/4</a:t>
             </a:fld>
             <a:endParaRPr kumimoji="1" lang="ja-JP" altLang="en-US"/>
           </a:p>
@@ -3593,7 +3593,7 @@
           <a:p>
             <a:fld id="{E43F9152-C047-433E-8FAA-998708DAD0D2}" type="datetimeFigureOut">
               <a:rPr kumimoji="1" lang="ja-JP" altLang="en-US" smtClean="0"/>
-              <a:t>2025/1/31</a:t>
+              <a:t>2025/6/4</a:t>
             </a:fld>
             <a:endParaRPr kumimoji="1" lang="ja-JP" altLang="en-US"/>
           </a:p>
@@ -4771,7 +4771,7 @@
           <p:nvPr>
             <p:extLst>
               <p:ext uri="{D42A27DB-BD31-4B8C-83A1-F6EECF244321}">
-                <p14:modId xmlns:p14="http://schemas.microsoft.com/office/powerpoint/2010/main" val="1699474289"/>
+                <p14:modId xmlns:p14="http://schemas.microsoft.com/office/powerpoint/2010/main" val="3774179549"/>
               </p:ext>
             </p:extLst>
           </p:nvPr>
@@ -4852,7 +4852,7 @@
                     <a:p>
                       <a:r>
                         <a:rPr kumimoji="1" lang="ja-JP" altLang="en-US" b="1" dirty="0"/>
-                        <a:t>次の予定</a:t>
+                        <a:t>現在と次の予定</a:t>
                       </a:r>
                     </a:p>
                   </a:txBody>
@@ -5416,7 +5416,7 @@
           <p:nvPr>
             <p:extLst>
               <p:ext uri="{D42A27DB-BD31-4B8C-83A1-F6EECF244321}">
-                <p14:modId xmlns:p14="http://schemas.microsoft.com/office/powerpoint/2010/main" val="3696360386"/>
+                <p14:modId xmlns:p14="http://schemas.microsoft.com/office/powerpoint/2010/main" val="4166278442"/>
               </p:ext>
             </p:extLst>
           </p:nvPr>
@@ -5476,7 +5476,7 @@
                           <a:ea typeface="+mn-ea"/>
                           <a:cs typeface="+mn-cs"/>
                         </a:rPr>
-                        <a:t>新規顧客向けの提案資料</a:t>
+                        <a:t>システム要件定義書の作成</a:t>
                       </a:r>
                       <a:endParaRPr kumimoji="1" lang="ja-JP" altLang="en-US" b="1" dirty="0"/>
                     </a:p>
@@ -5497,7 +5497,7 @@
                     <a:p>
                       <a:r>
                         <a:rPr kumimoji="1" lang="ja-JP" altLang="en-US" b="1" dirty="0"/>
-                        <a:t>次の予定</a:t>
+                        <a:t>現在の作業</a:t>
                       </a:r>
                     </a:p>
                   </a:txBody>
@@ -5510,15 +5510,9 @@
                     <a:p>
                       <a:r>
                         <a:rPr kumimoji="1" lang="ja-JP" altLang="en-US" b="1" dirty="0"/>
-                        <a:t>提案資料について顧客からのフィードバック待ち</a:t>
+                        <a:t>基本設計書の作成中で細かい仕様の検討をしている</a:t>
                       </a:r>
                       <a:endParaRPr kumimoji="1" lang="en-US" altLang="ja-JP" b="1" dirty="0"/>
-                    </a:p>
-                    <a:p>
-                      <a:r>
-                        <a:rPr kumimoji="1" lang="ja-JP" altLang="en-US" b="1" dirty="0"/>
-                        <a:t>フィードバックされたら修正する</a:t>
-                      </a:r>
                     </a:p>
                   </a:txBody>
                   <a:tcPr/>
@@ -5537,7 +5531,7 @@
                     <a:p>
                       <a:r>
                         <a:rPr kumimoji="1" lang="ja-JP" altLang="en-US" b="1" dirty="0"/>
-                        <a:t>それ以外の今後の予定</a:t>
+                        <a:t>今後の予定</a:t>
                       </a:r>
                     </a:p>
                   </a:txBody>
@@ -5550,7 +5544,7 @@
                     <a:p>
                       <a:r>
                         <a:rPr kumimoji="1" lang="ja-JP" altLang="en-US" b="1" dirty="0"/>
-                        <a:t>提案書の修正と顧客の打ち合わせがある</a:t>
+                        <a:t>基本設計書のレビューと修正、そして詳細設計書の着手</a:t>
                       </a:r>
                     </a:p>
                   </a:txBody>
